--- a/De Cuong/De Cuong v0.2.pptx
+++ b/De Cuong/De Cuong v0.2.pptx
@@ -24,11 +24,12 @@
     <p:sldId id="296" r:id="rId18"/>
     <p:sldId id="297" r:id="rId19"/>
     <p:sldId id="293" r:id="rId20"/>
-    <p:sldId id="294" r:id="rId21"/>
-    <p:sldId id="295" r:id="rId22"/>
-    <p:sldId id="279" r:id="rId23"/>
-    <p:sldId id="288" r:id="rId24"/>
-    <p:sldId id="267" r:id="rId25"/>
+    <p:sldId id="298" r:id="rId21"/>
+    <p:sldId id="294" r:id="rId22"/>
+    <p:sldId id="295" r:id="rId23"/>
+    <p:sldId id="279" r:id="rId24"/>
+    <p:sldId id="288" r:id="rId25"/>
+    <p:sldId id="267" r:id="rId26"/>
   </p:sldIdLst>
   <p:sldSz cx="9144000" cy="6858000" type="screen4x3"/>
   <p:notesSz cx="6858000" cy="9144000"/>
@@ -6750,11 +6751,7 @@
             </a:r>
             <a:r>
               <a:rPr lang="en-US" dirty="0" smtClean="0"/>
-              <a:t> </a:t>
-            </a:r>
-            <a:r>
-              <a:rPr lang="en-US" dirty="0" smtClean="0"/>
-              <a:t>40 </a:t>
+              <a:t> 40 </a:t>
             </a:r>
             <a:r>
               <a:rPr lang="en-US" dirty="0" err="1" smtClean="0"/>
@@ -6821,11 +6818,7 @@
             </a:r>
             <a:r>
               <a:rPr lang="en-US" dirty="0" smtClean="0"/>
-              <a:t> </a:t>
-            </a:r>
-            <a:r>
-              <a:rPr lang="en-US" dirty="0" smtClean="0"/>
-              <a:t>91 </a:t>
+              <a:t> 91 </a:t>
             </a:r>
             <a:r>
               <a:rPr lang="en-US" dirty="0" err="1" smtClean="0"/>
@@ -7711,15 +7704,11 @@
             </a:r>
             <a:r>
               <a:rPr lang="en-US" dirty="0" smtClean="0"/>
-              <a:t> </a:t>
-            </a:r>
-            <a:r>
-              <a:rPr lang="en-US" dirty="0" err="1" smtClean="0"/>
-              <a:t>là</a:t>
-            </a:r>
-            <a:r>
-              <a:rPr lang="en-US" dirty="0" smtClean="0"/>
-              <a:t> GATE (ANNIE </a:t>
+              <a:t>: </a:t>
+            </a:r>
+            <a:r>
+              <a:rPr lang="en-US" dirty="0" smtClean="0"/>
+              <a:t>GATE (ANNIE </a:t>
             </a:r>
             <a:r>
               <a:rPr lang="en-US" dirty="0" err="1" smtClean="0"/>
@@ -9693,7 +9682,6 @@
               <a:rPr lang="en-US" dirty="0" smtClean="0"/>
               <a:t> RDF.</a:t>
             </a:r>
-            <a:endParaRPr lang="en-US" dirty="0" smtClean="0"/>
           </a:p>
         </p:txBody>
       </p:sp>
@@ -13475,6 +13463,196 @@
           <a:bodyPr/>
           <a:lstStyle/>
           <a:p>
+            <a:r>
+              <a:rPr lang="en-US" dirty="0" err="1" smtClean="0"/>
+              <a:t>Ứng</a:t>
+            </a:r>
+            <a:r>
+              <a:rPr lang="en-US" dirty="0" smtClean="0"/>
+              <a:t> </a:t>
+            </a:r>
+            <a:r>
+              <a:rPr lang="en-US" dirty="0" err="1" smtClean="0"/>
+              <a:t>dụng</a:t>
+            </a:r>
+            <a:r>
+              <a:rPr lang="en-US" dirty="0" smtClean="0"/>
+              <a:t>: Web-based</a:t>
+            </a:r>
+          </a:p>
+          <a:p>
+            <a:r>
+              <a:rPr lang="en-US" dirty="0" smtClean="0"/>
+              <a:t>Server: Tomcat</a:t>
+            </a:r>
+          </a:p>
+          <a:p>
+            <a:r>
+              <a:rPr lang="en-US" dirty="0" err="1" smtClean="0"/>
+              <a:t>Ngôn</a:t>
+            </a:r>
+            <a:r>
+              <a:rPr lang="en-US" dirty="0" smtClean="0"/>
+              <a:t> </a:t>
+            </a:r>
+            <a:r>
+              <a:rPr lang="en-US" dirty="0" err="1" smtClean="0"/>
+              <a:t>ngữ</a:t>
+            </a:r>
+            <a:r>
+              <a:rPr lang="en-US" dirty="0" smtClean="0"/>
+              <a:t>: Java</a:t>
+            </a:r>
+          </a:p>
+          <a:p>
+            <a:r>
+              <a:rPr lang="en-US" dirty="0" err="1" smtClean="0"/>
+              <a:t>Cơ</a:t>
+            </a:r>
+            <a:r>
+              <a:rPr lang="en-US" dirty="0" smtClean="0"/>
+              <a:t> </a:t>
+            </a:r>
+            <a:r>
+              <a:rPr lang="en-US" dirty="0" err="1" smtClean="0"/>
+              <a:t>sở</a:t>
+            </a:r>
+            <a:r>
+              <a:rPr lang="en-US" dirty="0" smtClean="0"/>
+              <a:t> </a:t>
+            </a:r>
+            <a:r>
+              <a:rPr lang="en-US" dirty="0" err="1" smtClean="0"/>
+              <a:t>dữ</a:t>
+            </a:r>
+            <a:r>
+              <a:rPr lang="en-US" dirty="0" smtClean="0"/>
+              <a:t> </a:t>
+            </a:r>
+            <a:r>
+              <a:rPr lang="en-US" dirty="0" err="1" smtClean="0"/>
+              <a:t>liệu</a:t>
+            </a:r>
+            <a:r>
+              <a:rPr lang="en-US" dirty="0" smtClean="0"/>
+              <a:t>: </a:t>
+            </a:r>
+          </a:p>
+          <a:p>
+            <a:pPr lvl="1"/>
+            <a:r>
+              <a:rPr lang="en-US" dirty="0" smtClean="0"/>
+              <a:t>Ontology: OWL file</a:t>
+            </a:r>
+          </a:p>
+          <a:p>
+            <a:pPr lvl="1"/>
+            <a:r>
+              <a:rPr lang="en-US" dirty="0" smtClean="0"/>
+              <a:t>Database: </a:t>
+            </a:r>
+            <a:r>
+              <a:rPr lang="en-US" dirty="0" err="1" smtClean="0"/>
+              <a:t>MySQL</a:t>
+            </a:r>
+            <a:endParaRPr lang="en-US" dirty="0"/>
+          </a:p>
+        </p:txBody>
+      </p:sp>
+    </p:spTree>
+  </p:cSld>
+  <p:clrMapOvr>
+    <a:masterClrMapping/>
+  </p:clrMapOvr>
+  <p:timing>
+    <p:tnLst>
+      <p:par>
+        <p:cTn id="1" dur="indefinite" restart="never" nodeType="tmRoot"/>
+      </p:par>
+    </p:tnLst>
+  </p:timing>
+</p:sld>
+</file>
+
+<file path=ppt/slides/slide21.xml><?xml version="1.0" encoding="utf-8"?>
+<p:sld xmlns:a="http://schemas.openxmlformats.org/drawingml/2006/main" xmlns:r="http://schemas.openxmlformats.org/officeDocument/2006/relationships" xmlns:p="http://schemas.openxmlformats.org/presentationml/2006/main">
+  <p:cSld>
+    <p:spTree>
+      <p:nvGrpSpPr>
+        <p:cNvPr id="1" name=""/>
+        <p:cNvGrpSpPr/>
+        <p:nvPr/>
+      </p:nvGrpSpPr>
+      <p:grpSpPr>
+        <a:xfrm>
+          <a:off x="0" y="0"/>
+          <a:ext cx="0" cy="0"/>
+          <a:chOff x="0" y="0"/>
+          <a:chExt cx="0" cy="0"/>
+        </a:xfrm>
+      </p:grpSpPr>
+      <p:sp>
+        <p:nvSpPr>
+          <p:cNvPr id="2" name="Title 1"/>
+          <p:cNvSpPr>
+            <a:spLocks noGrp="1"/>
+          </p:cNvSpPr>
+          <p:nvPr>
+            <p:ph type="title"/>
+          </p:nvPr>
+        </p:nvSpPr>
+        <p:spPr/>
+        <p:txBody>
+          <a:bodyPr/>
+          <a:lstStyle/>
+          <a:p>
+            <a:r>
+              <a:rPr lang="en-US" dirty="0" err="1" smtClean="0"/>
+              <a:t>Cấu</a:t>
+            </a:r>
+            <a:r>
+              <a:rPr lang="en-US" dirty="0" smtClean="0"/>
+              <a:t> </a:t>
+            </a:r>
+            <a:r>
+              <a:rPr lang="en-US" dirty="0" err="1" smtClean="0"/>
+              <a:t>trúc</a:t>
+            </a:r>
+            <a:r>
+              <a:rPr lang="en-US" dirty="0" smtClean="0"/>
+              <a:t> </a:t>
+            </a:r>
+            <a:r>
+              <a:rPr lang="en-US" dirty="0" err="1" smtClean="0"/>
+              <a:t>chương</a:t>
+            </a:r>
+            <a:r>
+              <a:rPr lang="en-US" dirty="0" smtClean="0"/>
+              <a:t> </a:t>
+            </a:r>
+            <a:r>
+              <a:rPr lang="en-US" dirty="0" err="1" smtClean="0"/>
+              <a:t>trình</a:t>
+            </a:r>
+            <a:endParaRPr lang="en-US" dirty="0"/>
+          </a:p>
+        </p:txBody>
+      </p:sp>
+      <p:sp>
+        <p:nvSpPr>
+          <p:cNvPr id="3" name="Content Placeholder 2"/>
+          <p:cNvSpPr>
+            <a:spLocks noGrp="1"/>
+          </p:cNvSpPr>
+          <p:nvPr>
+            <p:ph idx="1"/>
+          </p:nvPr>
+        </p:nvSpPr>
+        <p:spPr/>
+        <p:txBody>
+          <a:bodyPr/>
+          <a:lstStyle/>
+          <a:p>
             <a:endParaRPr lang="en-US" dirty="0"/>
           </a:p>
         </p:txBody>
@@ -13526,525 +13704,6 @@
 </p:sld>
 </file>
 
-<file path=ppt/slides/slide21.xml><?xml version="1.0" encoding="utf-8"?>
-<p:sld xmlns:a="http://schemas.openxmlformats.org/drawingml/2006/main" xmlns:r="http://schemas.openxmlformats.org/officeDocument/2006/relationships" xmlns:p="http://schemas.openxmlformats.org/presentationml/2006/main">
-  <p:cSld>
-    <p:spTree>
-      <p:nvGrpSpPr>
-        <p:cNvPr id="1" name=""/>
-        <p:cNvGrpSpPr/>
-        <p:nvPr/>
-      </p:nvGrpSpPr>
-      <p:grpSpPr>
-        <a:xfrm>
-          <a:off x="0" y="0"/>
-          <a:ext cx="0" cy="0"/>
-          <a:chOff x="0" y="0"/>
-          <a:chExt cx="0" cy="0"/>
-        </a:xfrm>
-      </p:grpSpPr>
-      <p:sp>
-        <p:nvSpPr>
-          <p:cNvPr id="2" name="Title 1"/>
-          <p:cNvSpPr>
-            <a:spLocks noGrp="1"/>
-          </p:cNvSpPr>
-          <p:nvPr>
-            <p:ph type="title"/>
-          </p:nvPr>
-        </p:nvSpPr>
-        <p:spPr/>
-        <p:txBody>
-          <a:bodyPr/>
-          <a:lstStyle/>
-          <a:p>
-            <a:r>
-              <a:rPr lang="en-US" dirty="0" err="1" smtClean="0"/>
-              <a:t>Kết</a:t>
-            </a:r>
-            <a:r>
-              <a:rPr lang="en-US" dirty="0" smtClean="0"/>
-              <a:t> </a:t>
-            </a:r>
-            <a:r>
-              <a:rPr lang="en-US" dirty="0" err="1" smtClean="0"/>
-              <a:t>quả</a:t>
-            </a:r>
-            <a:r>
-              <a:rPr lang="en-US" dirty="0" smtClean="0"/>
-              <a:t> </a:t>
-            </a:r>
-            <a:r>
-              <a:rPr lang="en-US" dirty="0" err="1" smtClean="0"/>
-              <a:t>dự</a:t>
-            </a:r>
-            <a:r>
-              <a:rPr lang="en-US" dirty="0" smtClean="0"/>
-              <a:t> </a:t>
-            </a:r>
-            <a:r>
-              <a:rPr lang="en-US" dirty="0" err="1" smtClean="0"/>
-              <a:t>kiến</a:t>
-            </a:r>
-            <a:endParaRPr lang="en-US" dirty="0"/>
-          </a:p>
-        </p:txBody>
-      </p:sp>
-      <p:sp>
-        <p:nvSpPr>
-          <p:cNvPr id="3" name="Content Placeholder 2"/>
-          <p:cNvSpPr>
-            <a:spLocks noGrp="1"/>
-          </p:cNvSpPr>
-          <p:nvPr>
-            <p:ph idx="1"/>
-          </p:nvPr>
-        </p:nvSpPr>
-        <p:spPr/>
-        <p:txBody>
-          <a:bodyPr/>
-          <a:lstStyle/>
-          <a:p>
-            <a:r>
-              <a:rPr lang="en-US" dirty="0" err="1" smtClean="0"/>
-              <a:t>Kết</a:t>
-            </a:r>
-            <a:r>
-              <a:rPr lang="en-US" dirty="0" smtClean="0"/>
-              <a:t> </a:t>
-            </a:r>
-            <a:r>
-              <a:rPr lang="en-US" dirty="0" err="1" smtClean="0"/>
-              <a:t>quả</a:t>
-            </a:r>
-            <a:r>
-              <a:rPr lang="en-US" dirty="0" smtClean="0"/>
-              <a:t> </a:t>
-            </a:r>
-            <a:r>
-              <a:rPr lang="en-US" dirty="0" err="1" smtClean="0"/>
-              <a:t>nhóm</a:t>
-            </a:r>
-            <a:r>
-              <a:rPr lang="en-US" dirty="0" smtClean="0"/>
-              <a:t> </a:t>
-            </a:r>
-            <a:r>
-              <a:rPr lang="en-US" dirty="0" err="1" smtClean="0"/>
-              <a:t>mong</a:t>
-            </a:r>
-            <a:r>
-              <a:rPr lang="en-US" dirty="0" smtClean="0"/>
-              <a:t> </a:t>
-            </a:r>
-            <a:r>
-              <a:rPr lang="en-US" dirty="0" err="1" smtClean="0"/>
-              <a:t>muốn</a:t>
-            </a:r>
-            <a:r>
-              <a:rPr lang="en-US" dirty="0" smtClean="0"/>
-              <a:t> </a:t>
-            </a:r>
-            <a:r>
-              <a:rPr lang="en-US" dirty="0" err="1" smtClean="0"/>
-              <a:t>đạt</a:t>
-            </a:r>
-            <a:r>
-              <a:rPr lang="en-US" dirty="0" smtClean="0"/>
-              <a:t> </a:t>
-            </a:r>
-            <a:r>
-              <a:rPr lang="en-US" dirty="0" err="1" smtClean="0"/>
-              <a:t>được</a:t>
-            </a:r>
-            <a:r>
-              <a:rPr lang="en-US" dirty="0" smtClean="0"/>
-              <a:t> </a:t>
-            </a:r>
-            <a:r>
-              <a:rPr lang="en-US" dirty="0" err="1" smtClean="0"/>
-              <a:t>là</a:t>
-            </a:r>
-            <a:r>
-              <a:rPr lang="en-US" dirty="0" smtClean="0"/>
-              <a:t> </a:t>
-            </a:r>
-            <a:r>
-              <a:rPr lang="en-US" dirty="0" err="1" smtClean="0"/>
-              <a:t>một</a:t>
-            </a:r>
-            <a:r>
-              <a:rPr lang="en-US" dirty="0" smtClean="0"/>
-              <a:t> </a:t>
-            </a:r>
-            <a:r>
-              <a:rPr lang="en-US" dirty="0" err="1" smtClean="0"/>
-              <a:t>hệ</a:t>
-            </a:r>
-            <a:r>
-              <a:rPr lang="en-US" dirty="0" smtClean="0"/>
-              <a:t> </a:t>
-            </a:r>
-            <a:r>
-              <a:rPr lang="en-US" dirty="0" err="1" smtClean="0"/>
-              <a:t>thống</a:t>
-            </a:r>
-            <a:r>
-              <a:rPr lang="en-US" dirty="0" smtClean="0"/>
-              <a:t> </a:t>
-            </a:r>
-            <a:r>
-              <a:rPr lang="en-US" dirty="0" err="1" smtClean="0"/>
-              <a:t>hỏi</a:t>
-            </a:r>
-            <a:r>
-              <a:rPr lang="en-US" dirty="0" smtClean="0"/>
-              <a:t> </a:t>
-            </a:r>
-            <a:r>
-              <a:rPr lang="en-US" dirty="0" err="1" smtClean="0"/>
-              <a:t>đáp</a:t>
-            </a:r>
-            <a:r>
-              <a:rPr lang="en-US" dirty="0" smtClean="0"/>
-              <a:t> </a:t>
-            </a:r>
-            <a:r>
-              <a:rPr lang="en-US" dirty="0" err="1" smtClean="0"/>
-              <a:t>thân</a:t>
-            </a:r>
-            <a:r>
-              <a:rPr lang="en-US" dirty="0" smtClean="0"/>
-              <a:t> </a:t>
-            </a:r>
-            <a:r>
-              <a:rPr lang="en-US" dirty="0" err="1" smtClean="0"/>
-              <a:t>thiện</a:t>
-            </a:r>
-            <a:r>
-              <a:rPr lang="en-US" dirty="0" smtClean="0"/>
-              <a:t> </a:t>
-            </a:r>
-            <a:r>
-              <a:rPr lang="en-US" dirty="0" err="1" smtClean="0"/>
-              <a:t>với</a:t>
-            </a:r>
-            <a:r>
-              <a:rPr lang="en-US" dirty="0" smtClean="0"/>
-              <a:t> </a:t>
-            </a:r>
-            <a:r>
-              <a:rPr lang="en-US" dirty="0" err="1" smtClean="0"/>
-              <a:t>người</a:t>
-            </a:r>
-            <a:r>
-              <a:rPr lang="en-US" dirty="0" smtClean="0"/>
-              <a:t> </a:t>
-            </a:r>
-            <a:r>
-              <a:rPr lang="en-US" dirty="0" err="1" smtClean="0"/>
-              <a:t>dùng</a:t>
-            </a:r>
-            <a:r>
-              <a:rPr lang="en-US" dirty="0" smtClean="0"/>
-              <a:t> . </a:t>
-            </a:r>
-          </a:p>
-          <a:p>
-            <a:r>
-              <a:rPr lang="en-US" dirty="0" err="1" smtClean="0"/>
-              <a:t>Các</a:t>
-            </a:r>
-            <a:r>
-              <a:rPr lang="en-US" dirty="0" smtClean="0"/>
-              <a:t> </a:t>
-            </a:r>
-            <a:r>
-              <a:rPr lang="en-US" dirty="0" err="1" smtClean="0"/>
-              <a:t>câu</a:t>
-            </a:r>
-            <a:r>
-              <a:rPr lang="en-US" dirty="0" smtClean="0"/>
-              <a:t> </a:t>
-            </a:r>
-            <a:r>
-              <a:rPr lang="en-US" dirty="0" err="1" smtClean="0"/>
-              <a:t>trả</a:t>
-            </a:r>
-            <a:r>
-              <a:rPr lang="en-US" dirty="0" smtClean="0"/>
-              <a:t> </a:t>
-            </a:r>
-            <a:r>
-              <a:rPr lang="en-US" dirty="0" err="1" smtClean="0"/>
-              <a:t>lời</a:t>
-            </a:r>
-            <a:r>
-              <a:rPr lang="en-US" dirty="0" smtClean="0"/>
-              <a:t> </a:t>
-            </a:r>
-            <a:r>
-              <a:rPr lang="en-US" dirty="0" err="1" smtClean="0"/>
-              <a:t>được</a:t>
-            </a:r>
-            <a:r>
-              <a:rPr lang="en-US" dirty="0" smtClean="0"/>
-              <a:t> </a:t>
-            </a:r>
-            <a:r>
-              <a:rPr lang="en-US" dirty="0" err="1" smtClean="0"/>
-              <a:t>xử</a:t>
-            </a:r>
-            <a:r>
-              <a:rPr lang="en-US" dirty="0" smtClean="0"/>
-              <a:t> </a:t>
-            </a:r>
-            <a:r>
-              <a:rPr lang="en-US" dirty="0" err="1" smtClean="0"/>
-              <a:t>lý</a:t>
-            </a:r>
-            <a:r>
-              <a:rPr lang="en-US" dirty="0" smtClean="0"/>
-              <a:t> </a:t>
-            </a:r>
-            <a:r>
-              <a:rPr lang="en-US" dirty="0" err="1" smtClean="0"/>
-              <a:t>và</a:t>
-            </a:r>
-            <a:r>
-              <a:rPr lang="en-US" dirty="0" smtClean="0"/>
-              <a:t> </a:t>
-            </a:r>
-            <a:r>
-              <a:rPr lang="en-US" dirty="0" err="1" smtClean="0"/>
-              <a:t>hiển</a:t>
-            </a:r>
-            <a:r>
-              <a:rPr lang="en-US" dirty="0" smtClean="0"/>
-              <a:t> </a:t>
-            </a:r>
-            <a:r>
-              <a:rPr lang="en-US" dirty="0" err="1" smtClean="0"/>
-              <a:t>thị</a:t>
-            </a:r>
-            <a:r>
-              <a:rPr lang="en-US" dirty="0" smtClean="0"/>
-              <a:t> </a:t>
-            </a:r>
-            <a:r>
-              <a:rPr lang="en-US" dirty="0" err="1" smtClean="0"/>
-              <a:t>theo</a:t>
-            </a:r>
-            <a:r>
-              <a:rPr lang="en-US" dirty="0" smtClean="0"/>
-              <a:t> </a:t>
-            </a:r>
-            <a:r>
-              <a:rPr lang="en-US" dirty="0" err="1" smtClean="0"/>
-              <a:t>ngôn</a:t>
-            </a:r>
-            <a:r>
-              <a:rPr lang="en-US" dirty="0" smtClean="0"/>
-              <a:t> </a:t>
-            </a:r>
-            <a:r>
-              <a:rPr lang="en-US" dirty="0" err="1" smtClean="0"/>
-              <a:t>ngữ</a:t>
-            </a:r>
-            <a:r>
-              <a:rPr lang="en-US" dirty="0" smtClean="0"/>
-              <a:t> </a:t>
-            </a:r>
-            <a:r>
-              <a:rPr lang="en-US" dirty="0" err="1" smtClean="0"/>
-              <a:t>tự</a:t>
-            </a:r>
-            <a:r>
-              <a:rPr lang="en-US" dirty="0" smtClean="0"/>
-              <a:t> </a:t>
-            </a:r>
-            <a:r>
-              <a:rPr lang="en-US" dirty="0" err="1" smtClean="0"/>
-              <a:t>nhiên</a:t>
-            </a:r>
-            <a:r>
-              <a:rPr lang="en-US" dirty="0" smtClean="0"/>
-              <a:t>. </a:t>
-            </a:r>
-          </a:p>
-          <a:p>
-            <a:r>
-              <a:rPr lang="en-US" dirty="0" err="1" smtClean="0"/>
-              <a:t>Hệ</a:t>
-            </a:r>
-            <a:r>
-              <a:rPr lang="en-US" dirty="0" smtClean="0"/>
-              <a:t> </a:t>
-            </a:r>
-            <a:r>
-              <a:rPr lang="en-US" dirty="0" err="1" smtClean="0"/>
-              <a:t>thống</a:t>
-            </a:r>
-            <a:r>
-              <a:rPr lang="en-US" dirty="0" smtClean="0"/>
-              <a:t> </a:t>
-            </a:r>
-            <a:r>
-              <a:rPr lang="en-US" dirty="0" err="1" smtClean="0"/>
-              <a:t>đáp</a:t>
-            </a:r>
-            <a:r>
-              <a:rPr lang="en-US" dirty="0" smtClean="0"/>
-              <a:t> </a:t>
-            </a:r>
-            <a:r>
-              <a:rPr lang="en-US" dirty="0" err="1" smtClean="0"/>
-              <a:t>ứng</a:t>
-            </a:r>
-            <a:r>
-              <a:rPr lang="en-US" dirty="0" smtClean="0"/>
-              <a:t> </a:t>
-            </a:r>
-            <a:r>
-              <a:rPr lang="en-US" dirty="0" err="1" smtClean="0"/>
-              <a:t>được</a:t>
-            </a:r>
-            <a:r>
-              <a:rPr lang="en-US" dirty="0" smtClean="0"/>
-              <a:t> </a:t>
-            </a:r>
-            <a:r>
-              <a:rPr lang="en-US" dirty="0" err="1" smtClean="0"/>
-              <a:t>khoảng</a:t>
-            </a:r>
-            <a:r>
-              <a:rPr lang="en-US" dirty="0" smtClean="0"/>
-              <a:t> 90% </a:t>
-            </a:r>
-            <a:r>
-              <a:rPr lang="en-US" dirty="0" err="1" smtClean="0"/>
-              <a:t>các</a:t>
-            </a:r>
-            <a:r>
-              <a:rPr lang="en-US" dirty="0" smtClean="0"/>
-              <a:t> </a:t>
-            </a:r>
-            <a:r>
-              <a:rPr lang="en-US" dirty="0" err="1" smtClean="0"/>
-              <a:t>mẫu</a:t>
-            </a:r>
-            <a:r>
-              <a:rPr lang="en-US" dirty="0" smtClean="0"/>
-              <a:t> </a:t>
-            </a:r>
-            <a:r>
-              <a:rPr lang="en-US" dirty="0" err="1" smtClean="0"/>
-              <a:t>câu</a:t>
-            </a:r>
-            <a:r>
-              <a:rPr lang="en-US" dirty="0" smtClean="0"/>
-              <a:t> </a:t>
-            </a:r>
-            <a:r>
-              <a:rPr lang="en-US" dirty="0" err="1" smtClean="0"/>
-              <a:t>hỏi</a:t>
-            </a:r>
-            <a:r>
-              <a:rPr lang="en-US" dirty="0" smtClean="0"/>
-              <a:t> </a:t>
-            </a:r>
-            <a:r>
-              <a:rPr lang="en-US" dirty="0" err="1" smtClean="0"/>
-              <a:t>dự</a:t>
-            </a:r>
-            <a:r>
-              <a:rPr lang="en-US" dirty="0" smtClean="0"/>
-              <a:t> </a:t>
-            </a:r>
-            <a:r>
-              <a:rPr lang="en-US" dirty="0" err="1" smtClean="0"/>
-              <a:t>kiến</a:t>
-            </a:r>
-            <a:r>
-              <a:rPr lang="en-US" dirty="0" smtClean="0"/>
-              <a:t> (</a:t>
-            </a:r>
-            <a:r>
-              <a:rPr lang="en-US" dirty="0" err="1" smtClean="0"/>
-              <a:t>được</a:t>
-            </a:r>
-            <a:r>
-              <a:rPr lang="en-US" dirty="0" smtClean="0"/>
-              <a:t> </a:t>
-            </a:r>
-            <a:r>
-              <a:rPr lang="en-US" dirty="0" err="1" smtClean="0"/>
-              <a:t>đề</a:t>
-            </a:r>
-            <a:r>
-              <a:rPr lang="en-US" dirty="0" smtClean="0"/>
-              <a:t> </a:t>
-            </a:r>
-            <a:r>
-              <a:rPr lang="en-US" dirty="0" err="1" smtClean="0"/>
-              <a:t>cập</a:t>
-            </a:r>
-            <a:r>
-              <a:rPr lang="en-US" dirty="0" smtClean="0"/>
-              <a:t> </a:t>
-            </a:r>
-            <a:r>
-              <a:rPr lang="en-US" dirty="0" err="1" smtClean="0"/>
-              <a:t>trong</a:t>
-            </a:r>
-            <a:r>
-              <a:rPr lang="en-US" dirty="0" smtClean="0"/>
-              <a:t> </a:t>
-            </a:r>
-            <a:r>
-              <a:rPr lang="en-US" dirty="0" err="1" smtClean="0"/>
-              <a:t>Đề</a:t>
-            </a:r>
-            <a:r>
-              <a:rPr lang="en-US" dirty="0" smtClean="0"/>
-              <a:t> </a:t>
-            </a:r>
-            <a:r>
-              <a:rPr lang="en-US" dirty="0" err="1" smtClean="0"/>
-              <a:t>Cương</a:t>
-            </a:r>
-            <a:r>
-              <a:rPr lang="en-US" dirty="0" smtClean="0"/>
-              <a:t> </a:t>
-            </a:r>
-            <a:r>
-              <a:rPr lang="en-US" dirty="0" err="1" smtClean="0"/>
-              <a:t>của</a:t>
-            </a:r>
-            <a:r>
-              <a:rPr lang="en-US" dirty="0" smtClean="0"/>
-              <a:t> </a:t>
-            </a:r>
-            <a:r>
-              <a:rPr lang="en-US" dirty="0" err="1" smtClean="0"/>
-              <a:t>nhóm</a:t>
-            </a:r>
-            <a:r>
-              <a:rPr lang="en-US" dirty="0" smtClean="0"/>
-              <a:t>)</a:t>
-            </a:r>
-            <a:endParaRPr lang="en-US" dirty="0"/>
-          </a:p>
-        </p:txBody>
-      </p:sp>
-    </p:spTree>
-  </p:cSld>
-  <p:clrMapOvr>
-    <a:masterClrMapping/>
-  </p:clrMapOvr>
-</p:sld>
-</file>
-
 <file path=ppt/slides/slide22.xml><?xml version="1.0" encoding="utf-8"?>
 <p:sld xmlns:a="http://schemas.openxmlformats.org/drawingml/2006/main" xmlns:r="http://schemas.openxmlformats.org/officeDocument/2006/relationships" xmlns:p="http://schemas.openxmlformats.org/presentationml/2006/main">
   <p:cSld>
@@ -14079,15 +13738,31 @@
           <a:p>
             <a:r>
               <a:rPr lang="en-US" dirty="0" err="1" smtClean="0"/>
-              <a:t>Tham</a:t>
-            </a:r>
-            <a:r>
-              <a:rPr lang="en-US" dirty="0" smtClean="0"/>
-              <a:t> </a:t>
-            </a:r>
-            <a:r>
-              <a:rPr lang="en-US" dirty="0" err="1" smtClean="0"/>
-              <a:t>khảo</a:t>
+              <a:t>Kết</a:t>
+            </a:r>
+            <a:r>
+              <a:rPr lang="en-US" dirty="0" smtClean="0"/>
+              <a:t> </a:t>
+            </a:r>
+            <a:r>
+              <a:rPr lang="en-US" dirty="0" err="1" smtClean="0"/>
+              <a:t>quả</a:t>
+            </a:r>
+            <a:r>
+              <a:rPr lang="en-US" dirty="0" smtClean="0"/>
+              <a:t> </a:t>
+            </a:r>
+            <a:r>
+              <a:rPr lang="en-US" dirty="0" err="1" smtClean="0"/>
+              <a:t>dự</a:t>
+            </a:r>
+            <a:r>
+              <a:rPr lang="en-US" dirty="0" smtClean="0"/>
+              <a:t> </a:t>
+            </a:r>
+            <a:r>
+              <a:rPr lang="en-US" dirty="0" err="1" smtClean="0"/>
+              <a:t>kiến</a:t>
             </a:r>
             <a:endParaRPr lang="en-US" dirty="0"/>
           </a:p>
@@ -14109,30 +13784,242 @@
           <a:lstStyle/>
           <a:p>
             <a:r>
-              <a:rPr lang="en-US" dirty="0" smtClean="0"/>
-              <a:t>[1]</a:t>
-            </a:r>
-            <a:r>
-              <a:rPr lang="en-US" u="sng" dirty="0" smtClean="0">
-                <a:hlinkClick r:id="rId2"/>
-              </a:rPr>
-              <a:t>http://www.phpvn.org/index.php?topic=133.0;wap2</a:t>
-            </a:r>
-            <a:r>
-              <a:rPr lang="en-US" dirty="0" smtClean="0"/>
-              <a:t>, </a:t>
-            </a:r>
-            <a:r>
-              <a:rPr lang="en-US" dirty="0" err="1" smtClean="0"/>
-              <a:t>phần</a:t>
-            </a:r>
-            <a:r>
-              <a:rPr lang="en-US" dirty="0" smtClean="0"/>
-              <a:t> </a:t>
-            </a:r>
-            <a:r>
-              <a:rPr lang="en-US" dirty="0" err="1" smtClean="0"/>
-              <a:t>Ngôn</a:t>
+              <a:rPr lang="en-US" dirty="0" err="1" smtClean="0"/>
+              <a:t>Kết</a:t>
+            </a:r>
+            <a:r>
+              <a:rPr lang="en-US" dirty="0" smtClean="0"/>
+              <a:t> </a:t>
+            </a:r>
+            <a:r>
+              <a:rPr lang="en-US" dirty="0" err="1" smtClean="0"/>
+              <a:t>quả</a:t>
+            </a:r>
+            <a:r>
+              <a:rPr lang="en-US" dirty="0" smtClean="0"/>
+              <a:t> </a:t>
+            </a:r>
+            <a:r>
+              <a:rPr lang="en-US" dirty="0" err="1" smtClean="0"/>
+              <a:t>nhóm</a:t>
+            </a:r>
+            <a:r>
+              <a:rPr lang="en-US" dirty="0" smtClean="0"/>
+              <a:t> </a:t>
+            </a:r>
+            <a:r>
+              <a:rPr lang="en-US" dirty="0" err="1" smtClean="0"/>
+              <a:t>mong</a:t>
+            </a:r>
+            <a:r>
+              <a:rPr lang="en-US" dirty="0" smtClean="0"/>
+              <a:t> </a:t>
+            </a:r>
+            <a:r>
+              <a:rPr lang="en-US" dirty="0" err="1" smtClean="0"/>
+              <a:t>muốn</a:t>
+            </a:r>
+            <a:r>
+              <a:rPr lang="en-US" dirty="0" smtClean="0"/>
+              <a:t> </a:t>
+            </a:r>
+            <a:r>
+              <a:rPr lang="en-US" dirty="0" err="1" smtClean="0"/>
+              <a:t>đạt</a:t>
+            </a:r>
+            <a:r>
+              <a:rPr lang="en-US" dirty="0" smtClean="0"/>
+              <a:t> </a:t>
+            </a:r>
+            <a:r>
+              <a:rPr lang="en-US" dirty="0" err="1" smtClean="0"/>
+              <a:t>được</a:t>
+            </a:r>
+            <a:r>
+              <a:rPr lang="en-US" dirty="0" smtClean="0"/>
+              <a:t> </a:t>
+            </a:r>
+            <a:r>
+              <a:rPr lang="en-US" dirty="0" err="1" smtClean="0"/>
+              <a:t>là</a:t>
+            </a:r>
+            <a:r>
+              <a:rPr lang="en-US" dirty="0" smtClean="0"/>
+              <a:t> </a:t>
+            </a:r>
+            <a:r>
+              <a:rPr lang="en-US" dirty="0" err="1" smtClean="0"/>
+              <a:t>một</a:t>
+            </a:r>
+            <a:r>
+              <a:rPr lang="en-US" dirty="0" smtClean="0"/>
+              <a:t> </a:t>
+            </a:r>
+            <a:r>
+              <a:rPr lang="en-US" dirty="0" err="1" smtClean="0"/>
+              <a:t>hệ</a:t>
+            </a:r>
+            <a:r>
+              <a:rPr lang="en-US" dirty="0" smtClean="0"/>
+              <a:t> </a:t>
+            </a:r>
+            <a:r>
+              <a:rPr lang="en-US" dirty="0" err="1" smtClean="0"/>
+              <a:t>thống</a:t>
+            </a:r>
+            <a:r>
+              <a:rPr lang="en-US" dirty="0" smtClean="0"/>
+              <a:t> </a:t>
+            </a:r>
+            <a:r>
+              <a:rPr lang="en-US" dirty="0" err="1" smtClean="0"/>
+              <a:t>hỏi</a:t>
+            </a:r>
+            <a:r>
+              <a:rPr lang="en-US" dirty="0" smtClean="0"/>
+              <a:t> </a:t>
+            </a:r>
+            <a:r>
+              <a:rPr lang="en-US" dirty="0" err="1" smtClean="0"/>
+              <a:t>đáp</a:t>
+            </a:r>
+            <a:r>
+              <a:rPr lang="en-US" dirty="0" smtClean="0"/>
+              <a:t> </a:t>
+            </a:r>
+            <a:r>
+              <a:rPr lang="en-US" dirty="0" err="1" smtClean="0"/>
+              <a:t>thân</a:t>
+            </a:r>
+            <a:r>
+              <a:rPr lang="en-US" dirty="0" smtClean="0"/>
+              <a:t> </a:t>
+            </a:r>
+            <a:r>
+              <a:rPr lang="en-US" dirty="0" err="1" smtClean="0"/>
+              <a:t>thiện</a:t>
+            </a:r>
+            <a:r>
+              <a:rPr lang="en-US" dirty="0" smtClean="0"/>
+              <a:t> </a:t>
+            </a:r>
+            <a:r>
+              <a:rPr lang="en-US" dirty="0" err="1" smtClean="0"/>
+              <a:t>với</a:t>
+            </a:r>
+            <a:r>
+              <a:rPr lang="en-US" dirty="0" smtClean="0"/>
+              <a:t> </a:t>
+            </a:r>
+            <a:r>
+              <a:rPr lang="en-US" dirty="0" err="1" smtClean="0"/>
+              <a:t>người</a:t>
+            </a:r>
+            <a:r>
+              <a:rPr lang="en-US" dirty="0" smtClean="0"/>
+              <a:t> </a:t>
+            </a:r>
+            <a:r>
+              <a:rPr lang="en-US" dirty="0" err="1" smtClean="0"/>
+              <a:t>dùng</a:t>
+            </a:r>
+            <a:r>
+              <a:rPr lang="en-US" dirty="0" smtClean="0"/>
+              <a:t> . </a:t>
+            </a:r>
+          </a:p>
+          <a:p>
+            <a:r>
+              <a:rPr lang="en-US" dirty="0" err="1" smtClean="0"/>
+              <a:t>Các</a:t>
+            </a:r>
+            <a:r>
+              <a:rPr lang="en-US" dirty="0" smtClean="0"/>
+              <a:t> </a:t>
+            </a:r>
+            <a:r>
+              <a:rPr lang="en-US" dirty="0" err="1" smtClean="0"/>
+              <a:t>câu</a:t>
+            </a:r>
+            <a:r>
+              <a:rPr lang="en-US" dirty="0" smtClean="0"/>
+              <a:t> </a:t>
+            </a:r>
+            <a:r>
+              <a:rPr lang="en-US" dirty="0" err="1" smtClean="0"/>
+              <a:t>trả</a:t>
+            </a:r>
+            <a:r>
+              <a:rPr lang="en-US" dirty="0" smtClean="0"/>
+              <a:t> </a:t>
+            </a:r>
+            <a:r>
+              <a:rPr lang="en-US" dirty="0" err="1" smtClean="0"/>
+              <a:t>lời</a:t>
+            </a:r>
+            <a:r>
+              <a:rPr lang="en-US" dirty="0" smtClean="0"/>
+              <a:t> </a:t>
+            </a:r>
+            <a:r>
+              <a:rPr lang="en-US" dirty="0" err="1" smtClean="0"/>
+              <a:t>được</a:t>
+            </a:r>
+            <a:r>
+              <a:rPr lang="en-US" dirty="0" smtClean="0"/>
+              <a:t> </a:t>
+            </a:r>
+            <a:r>
+              <a:rPr lang="en-US" dirty="0" err="1" smtClean="0"/>
+              <a:t>xử</a:t>
+            </a:r>
+            <a:r>
+              <a:rPr lang="en-US" dirty="0" smtClean="0"/>
+              <a:t> </a:t>
+            </a:r>
+            <a:r>
+              <a:rPr lang="en-US" dirty="0" err="1" smtClean="0"/>
+              <a:t>lý</a:t>
+            </a:r>
+            <a:r>
+              <a:rPr lang="en-US" dirty="0" smtClean="0"/>
+              <a:t> </a:t>
+            </a:r>
+            <a:r>
+              <a:rPr lang="en-US" dirty="0" err="1" smtClean="0"/>
+              <a:t>và</a:t>
+            </a:r>
+            <a:r>
+              <a:rPr lang="en-US" dirty="0" smtClean="0"/>
+              <a:t> </a:t>
+            </a:r>
+            <a:r>
+              <a:rPr lang="en-US" dirty="0" err="1" smtClean="0"/>
+              <a:t>hiển</a:t>
+            </a:r>
+            <a:r>
+              <a:rPr lang="en-US" dirty="0" smtClean="0"/>
+              <a:t> </a:t>
+            </a:r>
+            <a:r>
+              <a:rPr lang="en-US" dirty="0" err="1" smtClean="0"/>
+              <a:t>thị</a:t>
+            </a:r>
+            <a:r>
+              <a:rPr lang="en-US" dirty="0" smtClean="0"/>
+              <a:t> </a:t>
+            </a:r>
+            <a:r>
+              <a:rPr lang="en-US" dirty="0" err="1" smtClean="0"/>
+              <a:t>theo</a:t>
+            </a:r>
+            <a:r>
+              <a:rPr lang="en-US" dirty="0" smtClean="0"/>
+              <a:t> </a:t>
+            </a:r>
+            <a:r>
+              <a:rPr lang="en-US" dirty="0" err="1" smtClean="0"/>
+              <a:t>ngôn</a:t>
             </a:r>
             <a:r>
               <a:rPr lang="en-US" dirty="0" smtClean="0"/>
@@ -14144,124 +14031,187 @@
             </a:r>
             <a:r>
               <a:rPr lang="en-US" dirty="0" smtClean="0"/>
-              <a:t> Web ontology </a:t>
-            </a:r>
-            <a:r>
-              <a:rPr lang="en-US" dirty="0" err="1" smtClean="0"/>
-              <a:t>và</a:t>
-            </a:r>
-            <a:r>
-              <a:rPr lang="en-US" dirty="0" smtClean="0"/>
-              <a:t> </a:t>
-            </a:r>
-            <a:r>
-              <a:rPr lang="en-US" dirty="0" err="1" smtClean="0"/>
-              <a:t>khái</a:t>
-            </a:r>
-            <a:r>
-              <a:rPr lang="en-US" dirty="0" smtClean="0"/>
-              <a:t> </a:t>
-            </a:r>
-            <a:r>
-              <a:rPr lang="en-US" dirty="0" err="1" smtClean="0"/>
-              <a:t>niệm</a:t>
-            </a:r>
-            <a:r>
-              <a:rPr lang="en-US" dirty="0" smtClean="0"/>
-              <a:t> </a:t>
-            </a:r>
-            <a:r>
-              <a:rPr lang="en-US" dirty="0" err="1" smtClean="0"/>
-              <a:t>về</a:t>
-            </a:r>
-            <a:r>
-              <a:rPr lang="en-US" dirty="0" smtClean="0"/>
-              <a:t> Ontology</a:t>
-            </a:r>
-          </a:p>
-          <a:p>
-            <a:r>
-              <a:rPr lang="en-US" dirty="0" smtClean="0"/>
-              <a:t>[2] “A Question Answering System based on Conceptual Graph Formalism”, </a:t>
-            </a:r>
-            <a:r>
-              <a:rPr lang="en-US" dirty="0" err="1" smtClean="0"/>
-              <a:t>Wael</a:t>
-            </a:r>
-            <a:r>
-              <a:rPr lang="en-US" dirty="0" smtClean="0"/>
-              <a:t> </a:t>
-            </a:r>
-            <a:r>
-              <a:rPr lang="en-US" dirty="0" err="1" smtClean="0"/>
-              <a:t>Salloum</a:t>
-            </a:r>
-            <a:r>
-              <a:rPr lang="en-US" dirty="0" smtClean="0"/>
-              <a:t> , 2009.</a:t>
-            </a:r>
-          </a:p>
-          <a:p>
-            <a:r>
-              <a:rPr lang="en-US" dirty="0" smtClean="0"/>
-              <a:t>[3] “Automatic Question Pattern Generation for Ontology-based Question”, </a:t>
-            </a:r>
-            <a:r>
-              <a:rPr lang="en-US" dirty="0" err="1" smtClean="0"/>
-              <a:t>Shiyan</a:t>
-            </a:r>
-            <a:r>
-              <a:rPr lang="en-US" dirty="0" smtClean="0"/>
-              <a:t> </a:t>
-            </a:r>
-            <a:r>
-              <a:rPr lang="en-US" dirty="0" err="1" smtClean="0"/>
-              <a:t>Ou</a:t>
-            </a:r>
-            <a:r>
-              <a:rPr lang="en-US" dirty="0" smtClean="0"/>
-              <a:t>, </a:t>
-            </a:r>
-            <a:r>
-              <a:rPr lang="en-US" dirty="0" err="1" smtClean="0"/>
-              <a:t>Constantin</a:t>
-            </a:r>
-            <a:r>
-              <a:rPr lang="en-US" dirty="0" smtClean="0"/>
-              <a:t> </a:t>
-            </a:r>
-            <a:r>
-              <a:rPr lang="en-US" dirty="0" err="1" smtClean="0"/>
-              <a:t>Orasan</a:t>
-            </a:r>
-            <a:r>
-              <a:rPr lang="en-US" dirty="0" smtClean="0"/>
-              <a:t>, </a:t>
-            </a:r>
-            <a:r>
-              <a:rPr lang="en-US" dirty="0" err="1" smtClean="0"/>
-              <a:t>Dalila</a:t>
-            </a:r>
-            <a:r>
-              <a:rPr lang="en-US" dirty="0" smtClean="0"/>
-              <a:t> </a:t>
-            </a:r>
-            <a:r>
-              <a:rPr lang="en-US" dirty="0" err="1" smtClean="0"/>
-              <a:t>Mekhaldi</a:t>
-            </a:r>
-            <a:r>
-              <a:rPr lang="en-US" dirty="0" smtClean="0"/>
-              <a:t> and Laura </a:t>
-            </a:r>
-            <a:r>
-              <a:rPr lang="en-US" dirty="0" err="1" smtClean="0"/>
-              <a:t>Hasler</a:t>
-            </a:r>
-            <a:r>
-              <a:rPr lang="en-US" dirty="0" smtClean="0"/>
-              <a:t>, 2008</a:t>
-            </a:r>
+              <a:t> </a:t>
+            </a:r>
+            <a:r>
+              <a:rPr lang="en-US" dirty="0" err="1" smtClean="0"/>
+              <a:t>tự</a:t>
+            </a:r>
+            <a:r>
+              <a:rPr lang="en-US" dirty="0" smtClean="0"/>
+              <a:t> </a:t>
+            </a:r>
+            <a:r>
+              <a:rPr lang="en-US" dirty="0" err="1" smtClean="0"/>
+              <a:t>nhiên</a:t>
+            </a:r>
+            <a:r>
+              <a:rPr lang="en-US" dirty="0" smtClean="0"/>
+              <a:t>. </a:t>
+            </a:r>
+          </a:p>
+          <a:p>
+            <a:r>
+              <a:rPr lang="en-US" dirty="0" err="1" smtClean="0"/>
+              <a:t>Hệ</a:t>
+            </a:r>
+            <a:r>
+              <a:rPr lang="en-US" dirty="0" smtClean="0"/>
+              <a:t> </a:t>
+            </a:r>
+            <a:r>
+              <a:rPr lang="en-US" dirty="0" err="1" smtClean="0"/>
+              <a:t>thống</a:t>
+            </a:r>
+            <a:r>
+              <a:rPr lang="en-US" dirty="0" smtClean="0"/>
+              <a:t> </a:t>
+            </a:r>
+            <a:r>
+              <a:rPr lang="en-US" dirty="0" err="1" smtClean="0"/>
+              <a:t>đáp</a:t>
+            </a:r>
+            <a:r>
+              <a:rPr lang="en-US" dirty="0" smtClean="0"/>
+              <a:t> </a:t>
+            </a:r>
+            <a:r>
+              <a:rPr lang="en-US" dirty="0" err="1" smtClean="0"/>
+              <a:t>ứng</a:t>
+            </a:r>
+            <a:r>
+              <a:rPr lang="en-US" dirty="0" smtClean="0"/>
+              <a:t> </a:t>
+            </a:r>
+            <a:r>
+              <a:rPr lang="en-US" dirty="0" err="1" smtClean="0"/>
+              <a:t>được</a:t>
+            </a:r>
+            <a:r>
+              <a:rPr lang="en-US" dirty="0" smtClean="0"/>
+              <a:t> </a:t>
+            </a:r>
+            <a:r>
+              <a:rPr lang="en-US" dirty="0" err="1" smtClean="0"/>
+              <a:t>khoảng</a:t>
+            </a:r>
+            <a:r>
+              <a:rPr lang="en-US" dirty="0" smtClean="0"/>
+              <a:t> 90% </a:t>
+            </a:r>
+            <a:r>
+              <a:rPr lang="en-US" dirty="0" err="1" smtClean="0"/>
+              <a:t>các</a:t>
+            </a:r>
+            <a:r>
+              <a:rPr lang="en-US" dirty="0" smtClean="0"/>
+              <a:t> </a:t>
+            </a:r>
+            <a:r>
+              <a:rPr lang="en-US" dirty="0" err="1" smtClean="0"/>
+              <a:t>mẫu</a:t>
+            </a:r>
+            <a:r>
+              <a:rPr lang="en-US" dirty="0" smtClean="0"/>
+              <a:t> </a:t>
+            </a:r>
+            <a:r>
+              <a:rPr lang="en-US" dirty="0" err="1" smtClean="0"/>
+              <a:t>câu</a:t>
+            </a:r>
+            <a:r>
+              <a:rPr lang="en-US" dirty="0" smtClean="0"/>
+              <a:t> </a:t>
+            </a:r>
+            <a:r>
+              <a:rPr lang="en-US" dirty="0" err="1" smtClean="0"/>
+              <a:t>hỏi</a:t>
+            </a:r>
+            <a:r>
+              <a:rPr lang="en-US" dirty="0" smtClean="0"/>
+              <a:t> </a:t>
+            </a:r>
+            <a:r>
+              <a:rPr lang="en-US" dirty="0" err="1" smtClean="0"/>
+              <a:t>dự</a:t>
+            </a:r>
+            <a:r>
+              <a:rPr lang="en-US" dirty="0" smtClean="0"/>
+              <a:t> </a:t>
+            </a:r>
+            <a:r>
+              <a:rPr lang="en-US" dirty="0" err="1" smtClean="0"/>
+              <a:t>kiến</a:t>
+            </a:r>
+            <a:r>
+              <a:rPr lang="en-US" dirty="0" smtClean="0"/>
+              <a:t> (</a:t>
+            </a:r>
+            <a:r>
+              <a:rPr lang="en-US" dirty="0" err="1" smtClean="0"/>
+              <a:t>được</a:t>
+            </a:r>
+            <a:r>
+              <a:rPr lang="en-US" dirty="0" smtClean="0"/>
+              <a:t> </a:t>
+            </a:r>
+            <a:r>
+              <a:rPr lang="en-US" dirty="0" err="1" smtClean="0"/>
+              <a:t>đề</a:t>
+            </a:r>
+            <a:r>
+              <a:rPr lang="en-US" dirty="0" smtClean="0"/>
+              <a:t> </a:t>
+            </a:r>
+            <a:r>
+              <a:rPr lang="en-US" dirty="0" err="1" smtClean="0"/>
+              <a:t>cập</a:t>
+            </a:r>
+            <a:r>
+              <a:rPr lang="en-US" dirty="0" smtClean="0"/>
+              <a:t> </a:t>
+            </a:r>
+            <a:r>
+              <a:rPr lang="en-US" dirty="0" err="1" smtClean="0"/>
+              <a:t>trong</a:t>
+            </a:r>
+            <a:r>
+              <a:rPr lang="en-US" dirty="0" smtClean="0"/>
+              <a:t> </a:t>
+            </a:r>
+            <a:r>
+              <a:rPr lang="en-US" dirty="0" err="1" smtClean="0"/>
+              <a:t>Đề</a:t>
+            </a:r>
+            <a:r>
+              <a:rPr lang="en-US" dirty="0" smtClean="0"/>
+              <a:t> </a:t>
+            </a:r>
+            <a:r>
+              <a:rPr lang="en-US" dirty="0" err="1" smtClean="0"/>
+              <a:t>Cương</a:t>
+            </a:r>
+            <a:r>
+              <a:rPr lang="en-US" dirty="0" smtClean="0"/>
+              <a:t> </a:t>
+            </a:r>
+            <a:r>
+              <a:rPr lang="en-US" dirty="0" err="1" smtClean="0"/>
+              <a:t>của</a:t>
+            </a:r>
+            <a:r>
+              <a:rPr lang="en-US" dirty="0" smtClean="0"/>
+              <a:t> </a:t>
+            </a:r>
+            <a:r>
+              <a:rPr lang="en-US" dirty="0" err="1" smtClean="0"/>
+              <a:t>nhóm</a:t>
+            </a:r>
+            <a:r>
+              <a:rPr lang="en-US" dirty="0" smtClean="0"/>
+              <a:t>)</a:t>
+            </a:r>
+            <a:endParaRPr lang="en-US" dirty="0"/>
           </a:p>
         </p:txBody>
       </p:sp>
@@ -14270,13 +14220,6 @@
   <p:clrMapOvr>
     <a:masterClrMapping/>
   </p:clrMapOvr>
-  <p:timing>
-    <p:tnLst>
-      <p:par>
-        <p:cTn id="1" dur="indefinite" restart="never" nodeType="tmRoot"/>
-      </p:par>
-    </p:tnLst>
-  </p:timing>
 </p:sld>
 </file>
 
@@ -14321,10 +14264,10 @@
               <a:t> </a:t>
             </a:r>
             <a:r>
-              <a:rPr lang="en-US" smtClean="0"/>
+              <a:rPr lang="en-US" dirty="0" err="1" smtClean="0"/>
               <a:t>khảo</a:t>
             </a:r>
-            <a:endParaRPr lang="en-US"/>
+            <a:endParaRPr lang="en-US" dirty="0"/>
           </a:p>
         </p:txBody>
       </p:sp>
@@ -14345,123 +14288,29 @@
           <a:p>
             <a:r>
               <a:rPr lang="en-US" dirty="0" smtClean="0"/>
-              <a:t>[4] “</a:t>
-            </a:r>
-            <a:r>
-              <a:rPr lang="en-US" dirty="0" err="1" smtClean="0"/>
-              <a:t>Xây</a:t>
-            </a:r>
-            <a:r>
-              <a:rPr lang="en-US" dirty="0" smtClean="0"/>
-              <a:t> </a:t>
-            </a:r>
-            <a:r>
-              <a:rPr lang="en-US" dirty="0" err="1" smtClean="0"/>
-              <a:t>dựng</a:t>
-            </a:r>
-            <a:r>
-              <a:rPr lang="en-US" dirty="0" smtClean="0"/>
-              <a:t> </a:t>
-            </a:r>
-            <a:r>
-              <a:rPr lang="en-US" dirty="0" err="1" smtClean="0"/>
-              <a:t>công</a:t>
-            </a:r>
-            <a:r>
-              <a:rPr lang="en-US" dirty="0" smtClean="0"/>
-              <a:t> </a:t>
-            </a:r>
-            <a:r>
-              <a:rPr lang="en-US" dirty="0" err="1" smtClean="0"/>
-              <a:t>cụ</a:t>
-            </a:r>
-            <a:r>
-              <a:rPr lang="en-US" dirty="0" smtClean="0"/>
-              <a:t> </a:t>
-            </a:r>
-            <a:r>
-              <a:rPr lang="en-US" dirty="0" err="1" smtClean="0"/>
-              <a:t>tìm</a:t>
-            </a:r>
-            <a:r>
-              <a:rPr lang="en-US" dirty="0" smtClean="0"/>
-              <a:t> </a:t>
-            </a:r>
-            <a:r>
-              <a:rPr lang="en-US" dirty="0" err="1" smtClean="0"/>
-              <a:t>kiếm</a:t>
-            </a:r>
-            <a:r>
-              <a:rPr lang="en-US" dirty="0" smtClean="0"/>
-              <a:t> </a:t>
-            </a:r>
-            <a:r>
-              <a:rPr lang="en-US" dirty="0" err="1" smtClean="0"/>
-              <a:t>tài</a:t>
-            </a:r>
-            <a:r>
-              <a:rPr lang="en-US" dirty="0" smtClean="0"/>
-              <a:t> </a:t>
-            </a:r>
-            <a:r>
-              <a:rPr lang="en-US" dirty="0" err="1" smtClean="0"/>
-              <a:t>liệu</a:t>
-            </a:r>
-            <a:r>
-              <a:rPr lang="en-US" dirty="0" smtClean="0"/>
-              <a:t> </a:t>
-            </a:r>
-            <a:r>
-              <a:rPr lang="en-US" dirty="0" err="1" smtClean="0"/>
-              <a:t>học</a:t>
-            </a:r>
-            <a:r>
-              <a:rPr lang="en-US" dirty="0" smtClean="0"/>
-              <a:t> </a:t>
-            </a:r>
-            <a:r>
-              <a:rPr lang="en-US" dirty="0" err="1" smtClean="0"/>
-              <a:t>tập</a:t>
-            </a:r>
-            <a:r>
-              <a:rPr lang="en-US" dirty="0" smtClean="0"/>
-              <a:t> </a:t>
-            </a:r>
-            <a:r>
-              <a:rPr lang="en-US" dirty="0" err="1" smtClean="0"/>
-              <a:t>bằng</a:t>
-            </a:r>
-            <a:r>
-              <a:rPr lang="en-US" dirty="0" smtClean="0"/>
-              <a:t> </a:t>
-            </a:r>
-            <a:r>
-              <a:rPr lang="en-US" dirty="0" err="1" smtClean="0"/>
-              <a:t>các</a:t>
-            </a:r>
-            <a:r>
-              <a:rPr lang="en-US" dirty="0" smtClean="0"/>
-              <a:t> </a:t>
-            </a:r>
-            <a:r>
-              <a:rPr lang="en-US" dirty="0" err="1" smtClean="0"/>
-              <a:t>truy</a:t>
-            </a:r>
-            <a:r>
-              <a:rPr lang="en-US" dirty="0" smtClean="0"/>
-              <a:t> </a:t>
-            </a:r>
-            <a:r>
-              <a:rPr lang="en-US" dirty="0" err="1" smtClean="0"/>
-              <a:t>vấn</a:t>
-            </a:r>
-            <a:r>
-              <a:rPr lang="en-US" dirty="0" smtClean="0"/>
-              <a:t> </a:t>
-            </a:r>
-            <a:r>
-              <a:rPr lang="en-US" dirty="0" err="1" smtClean="0"/>
-              <a:t>ngôn</a:t>
+              <a:t>[1]</a:t>
+            </a:r>
+            <a:r>
+              <a:rPr lang="en-US" u="sng" dirty="0" smtClean="0">
+                <a:hlinkClick r:id="rId2"/>
+              </a:rPr>
+              <a:t>http://www.phpvn.org/index.php?topic=133.0;wap2</a:t>
+            </a:r>
+            <a:r>
+              <a:rPr lang="en-US" dirty="0" smtClean="0"/>
+              <a:t>, </a:t>
+            </a:r>
+            <a:r>
+              <a:rPr lang="en-US" dirty="0" err="1" smtClean="0"/>
+              <a:t>phần</a:t>
+            </a:r>
+            <a:r>
+              <a:rPr lang="en-US" dirty="0" smtClean="0"/>
+              <a:t> </a:t>
+            </a:r>
+            <a:r>
+              <a:rPr lang="en-US" dirty="0" err="1" smtClean="0"/>
+              <a:t>Ngôn</a:t>
             </a:r>
             <a:r>
               <a:rPr lang="en-US" dirty="0" smtClean="0"/>
@@ -14473,189 +14322,23 @@
             </a:r>
             <a:r>
               <a:rPr lang="en-US" dirty="0" smtClean="0"/>
-              <a:t> </a:t>
-            </a:r>
-            <a:r>
-              <a:rPr lang="en-US" dirty="0" err="1" smtClean="0"/>
-              <a:t>tự</a:t>
-            </a:r>
-            <a:r>
-              <a:rPr lang="en-US" dirty="0" smtClean="0"/>
-              <a:t> </a:t>
-            </a:r>
-            <a:r>
-              <a:rPr lang="en-US" dirty="0" err="1" smtClean="0"/>
-              <a:t>nhiên</a:t>
-            </a:r>
-            <a:r>
-              <a:rPr lang="en-US" dirty="0" smtClean="0"/>
-              <a:t>  </a:t>
-            </a:r>
-            <a:r>
-              <a:rPr lang="en-US" dirty="0" err="1" smtClean="0"/>
-              <a:t>trên</a:t>
-            </a:r>
-            <a:r>
-              <a:rPr lang="en-US" dirty="0" smtClean="0"/>
-              <a:t> </a:t>
-            </a:r>
-            <a:r>
-              <a:rPr lang="en-US" dirty="0" err="1" smtClean="0"/>
-              <a:t>kho</a:t>
-            </a:r>
-            <a:r>
-              <a:rPr lang="en-US" dirty="0" smtClean="0"/>
-              <a:t> </a:t>
-            </a:r>
-            <a:r>
-              <a:rPr lang="en-US" dirty="0" err="1" smtClean="0"/>
-              <a:t>học</a:t>
-            </a:r>
-            <a:r>
-              <a:rPr lang="en-US" dirty="0" smtClean="0"/>
-              <a:t> </a:t>
-            </a:r>
-            <a:r>
-              <a:rPr lang="en-US" dirty="0" err="1" smtClean="0"/>
-              <a:t>liệu</a:t>
-            </a:r>
-            <a:r>
-              <a:rPr lang="en-US" dirty="0" smtClean="0"/>
-              <a:t> </a:t>
-            </a:r>
-            <a:r>
-              <a:rPr lang="en-US" dirty="0" err="1" smtClean="0"/>
-              <a:t>mở</a:t>
-            </a:r>
-            <a:r>
-              <a:rPr lang="en-US" dirty="0" smtClean="0"/>
-              <a:t> </a:t>
-            </a:r>
-            <a:r>
-              <a:rPr lang="en-US" dirty="0" err="1" smtClean="0"/>
-              <a:t>tiếng</a:t>
-            </a:r>
-            <a:r>
-              <a:rPr lang="en-US" dirty="0" smtClean="0"/>
-              <a:t> </a:t>
-            </a:r>
-            <a:r>
-              <a:rPr lang="en-US" dirty="0" err="1" smtClean="0"/>
-              <a:t>Việt</a:t>
-            </a:r>
-            <a:r>
-              <a:rPr lang="en-US" dirty="0" smtClean="0"/>
-              <a:t>”, </a:t>
-            </a:r>
-            <a:r>
-              <a:rPr lang="en-US" dirty="0" err="1" smtClean="0"/>
-              <a:t>Lương</a:t>
-            </a:r>
-            <a:r>
-              <a:rPr lang="en-US" dirty="0" smtClean="0"/>
-              <a:t> </a:t>
-            </a:r>
-            <a:r>
-              <a:rPr lang="en-US" dirty="0" err="1" smtClean="0"/>
-              <a:t>Quý</a:t>
-            </a:r>
-            <a:r>
-              <a:rPr lang="en-US" dirty="0" smtClean="0"/>
-              <a:t> </a:t>
-            </a:r>
-            <a:r>
-              <a:rPr lang="en-US" dirty="0" err="1" smtClean="0"/>
-              <a:t>Tịnh</a:t>
-            </a:r>
-            <a:r>
-              <a:rPr lang="en-US" dirty="0" smtClean="0"/>
-              <a:t> </a:t>
-            </a:r>
-            <a:r>
-              <a:rPr lang="en-US" dirty="0" err="1" smtClean="0"/>
-              <a:t>Hà</a:t>
-            </a:r>
-            <a:r>
-              <a:rPr lang="en-US" dirty="0" smtClean="0"/>
-              <a:t>, 2009.</a:t>
-            </a:r>
-          </a:p>
-          <a:p>
-            <a:r>
-              <a:rPr lang="en-US" dirty="0" smtClean="0"/>
-              <a:t>[5] “ </a:t>
-            </a:r>
-            <a:r>
-              <a:rPr lang="en-US" dirty="0" err="1" smtClean="0"/>
-              <a:t>Dịch</a:t>
-            </a:r>
-            <a:r>
-              <a:rPr lang="en-US" dirty="0" smtClean="0"/>
-              <a:t> </a:t>
-            </a:r>
-            <a:r>
-              <a:rPr lang="en-US" dirty="0" err="1" smtClean="0"/>
-              <a:t>câu</a:t>
-            </a:r>
-            <a:r>
-              <a:rPr lang="en-US" dirty="0" smtClean="0"/>
-              <a:t> </a:t>
-            </a:r>
-            <a:r>
-              <a:rPr lang="en-US" dirty="0" err="1" smtClean="0"/>
-              <a:t>truy</a:t>
-            </a:r>
-            <a:r>
-              <a:rPr lang="en-US" dirty="0" smtClean="0"/>
-              <a:t> </a:t>
-            </a:r>
-            <a:r>
-              <a:rPr lang="en-US" dirty="0" err="1" smtClean="0"/>
-              <a:t>vấn</a:t>
-            </a:r>
-            <a:r>
-              <a:rPr lang="en-US" dirty="0" smtClean="0"/>
-              <a:t> </a:t>
-            </a:r>
-            <a:r>
-              <a:rPr lang="en-US" dirty="0" err="1" smtClean="0"/>
-              <a:t>có</a:t>
-            </a:r>
-            <a:r>
-              <a:rPr lang="en-US" dirty="0" smtClean="0"/>
-              <a:t> </a:t>
-            </a:r>
-            <a:r>
-              <a:rPr lang="en-US" dirty="0" err="1" smtClean="0"/>
-              <a:t>cấu</a:t>
-            </a:r>
-            <a:r>
-              <a:rPr lang="en-US" dirty="0" smtClean="0"/>
-              <a:t> </a:t>
-            </a:r>
-            <a:r>
-              <a:rPr lang="en-US" dirty="0" err="1" smtClean="0"/>
-              <a:t>trúc</a:t>
-            </a:r>
-            <a:r>
-              <a:rPr lang="en-US" dirty="0" smtClean="0"/>
-              <a:t> sang </a:t>
-            </a:r>
-            <a:r>
-              <a:rPr lang="en-US" dirty="0" err="1" smtClean="0"/>
-              <a:t>đồ</a:t>
-            </a:r>
-            <a:r>
-              <a:rPr lang="en-US" dirty="0" smtClean="0"/>
-              <a:t> </a:t>
-            </a:r>
-            <a:r>
-              <a:rPr lang="en-US" dirty="0" err="1" smtClean="0"/>
-              <a:t>thị</a:t>
-            </a:r>
-            <a:r>
-              <a:rPr lang="en-US" dirty="0" smtClean="0"/>
-              <a:t> ý </a:t>
+              <a:t> Web ontology </a:t>
+            </a:r>
+            <a:r>
+              <a:rPr lang="en-US" dirty="0" err="1" smtClean="0"/>
+              <a:t>và</a:t>
+            </a:r>
+            <a:r>
+              <a:rPr lang="en-US" dirty="0" smtClean="0"/>
+              <a:t> </a:t>
+            </a:r>
+            <a:r>
+              <a:rPr lang="en-US" dirty="0" err="1" smtClean="0"/>
+              <a:t>khái</a:t>
+            </a:r>
+            <a:r>
+              <a:rPr lang="en-US" dirty="0" smtClean="0"/>
+              <a:t> </a:t>
             </a:r>
             <a:r>
               <a:rPr lang="en-US" dirty="0" err="1" smtClean="0"/>
@@ -14663,99 +14346,100 @@
             </a:r>
             <a:r>
               <a:rPr lang="en-US" dirty="0" smtClean="0"/>
-              <a:t>: </a:t>
-            </a:r>
-            <a:r>
-              <a:rPr lang="en-US" dirty="0" err="1" smtClean="0"/>
-              <a:t>cách</a:t>
-            </a:r>
-            <a:r>
-              <a:rPr lang="en-US" dirty="0" smtClean="0"/>
-              <a:t> </a:t>
-            </a:r>
-            <a:r>
-              <a:rPr lang="en-US" dirty="0" err="1" smtClean="0"/>
-              <a:t>tiếp</a:t>
-            </a:r>
-            <a:r>
-              <a:rPr lang="en-US" dirty="0" smtClean="0"/>
-              <a:t> </a:t>
-            </a:r>
-            <a:r>
-              <a:rPr lang="en-US" dirty="0" err="1" smtClean="0"/>
-              <a:t>cận</a:t>
-            </a:r>
-            <a:r>
-              <a:rPr lang="en-US" dirty="0" smtClean="0"/>
-              <a:t> </a:t>
-            </a:r>
-            <a:r>
-              <a:rPr lang="en-US" dirty="0" err="1" smtClean="0"/>
-              <a:t>ít</a:t>
-            </a:r>
-            <a:r>
-              <a:rPr lang="en-US" dirty="0" smtClean="0"/>
-              <a:t> </a:t>
-            </a:r>
-            <a:r>
-              <a:rPr lang="en-US" dirty="0" err="1" smtClean="0"/>
-              <a:t>phụ</a:t>
-            </a:r>
-            <a:r>
-              <a:rPr lang="en-US" dirty="0" smtClean="0"/>
-              <a:t> </a:t>
-            </a:r>
-            <a:r>
-              <a:rPr lang="en-US" dirty="0" err="1" smtClean="0"/>
-              <a:t>thuộc</a:t>
-            </a:r>
-            <a:r>
-              <a:rPr lang="en-US" dirty="0" smtClean="0"/>
-              <a:t> </a:t>
-            </a:r>
-            <a:r>
-              <a:rPr lang="en-US" dirty="0" err="1" smtClean="0"/>
-              <a:t>vào</a:t>
-            </a:r>
-            <a:r>
-              <a:rPr lang="en-US" dirty="0" smtClean="0"/>
-              <a:t> </a:t>
-            </a:r>
-            <a:r>
-              <a:rPr lang="en-US" dirty="0" err="1" smtClean="0"/>
-              <a:t>cú</a:t>
-            </a:r>
-            <a:r>
-              <a:rPr lang="en-US" dirty="0" smtClean="0"/>
-              <a:t> </a:t>
-            </a:r>
-            <a:r>
-              <a:rPr lang="en-US" dirty="0" err="1" smtClean="0"/>
-              <a:t>pháp</a:t>
-            </a:r>
-            <a:r>
-              <a:rPr lang="en-US" dirty="0" smtClean="0"/>
-              <a:t>” Cao </a:t>
-            </a:r>
-            <a:r>
-              <a:rPr lang="en-US" dirty="0" err="1" smtClean="0"/>
-              <a:t>Duy</a:t>
-            </a:r>
-            <a:r>
-              <a:rPr lang="en-US" dirty="0" smtClean="0"/>
-              <a:t> </a:t>
-            </a:r>
-            <a:r>
-              <a:rPr lang="en-US" dirty="0" err="1" smtClean="0"/>
-              <a:t>Trường</a:t>
-            </a:r>
-            <a:r>
-              <a:rPr lang="en-US" dirty="0" smtClean="0"/>
-              <a:t>, 2008 </a:t>
-            </a:r>
-          </a:p>
-          <a:p>
-            <a:endParaRPr lang="en-US" dirty="0"/>
+              <a:t> </a:t>
+            </a:r>
+            <a:r>
+              <a:rPr lang="en-US" dirty="0" err="1" smtClean="0"/>
+              <a:t>về</a:t>
+            </a:r>
+            <a:r>
+              <a:rPr lang="en-US" dirty="0" smtClean="0"/>
+              <a:t> Ontology</a:t>
+            </a:r>
+          </a:p>
+          <a:p>
+            <a:r>
+              <a:rPr lang="en-US" dirty="0" smtClean="0"/>
+              <a:t>[2] “A Question Answering System based on Conceptual Graph Formalism”, </a:t>
+            </a:r>
+            <a:r>
+              <a:rPr lang="en-US" dirty="0" err="1" smtClean="0"/>
+              <a:t>Wael</a:t>
+            </a:r>
+            <a:r>
+              <a:rPr lang="en-US" dirty="0" smtClean="0"/>
+              <a:t> </a:t>
+            </a:r>
+            <a:r>
+              <a:rPr lang="en-US" dirty="0" err="1" smtClean="0"/>
+              <a:t>Salloum</a:t>
+            </a:r>
+            <a:r>
+              <a:rPr lang="en-US" dirty="0" smtClean="0"/>
+              <a:t> , 2009.</a:t>
+            </a:r>
+          </a:p>
+          <a:p>
+            <a:r>
+              <a:rPr lang="en-US" dirty="0" smtClean="0"/>
+              <a:t>[3] “Automatic Question Pattern Generation for Ontology-based Question”, </a:t>
+            </a:r>
+            <a:r>
+              <a:rPr lang="en-US" dirty="0" err="1" smtClean="0"/>
+              <a:t>Shiyan</a:t>
+            </a:r>
+            <a:r>
+              <a:rPr lang="en-US" dirty="0" smtClean="0"/>
+              <a:t> </a:t>
+            </a:r>
+            <a:r>
+              <a:rPr lang="en-US" dirty="0" err="1" smtClean="0"/>
+              <a:t>Ou</a:t>
+            </a:r>
+            <a:r>
+              <a:rPr lang="en-US" dirty="0" smtClean="0"/>
+              <a:t>, </a:t>
+            </a:r>
+            <a:r>
+              <a:rPr lang="en-US" dirty="0" err="1" smtClean="0"/>
+              <a:t>Constantin</a:t>
+            </a:r>
+            <a:r>
+              <a:rPr lang="en-US" dirty="0" smtClean="0"/>
+              <a:t> </a:t>
+            </a:r>
+            <a:r>
+              <a:rPr lang="en-US" dirty="0" err="1" smtClean="0"/>
+              <a:t>Orasan</a:t>
+            </a:r>
+            <a:r>
+              <a:rPr lang="en-US" dirty="0" smtClean="0"/>
+              <a:t>, </a:t>
+            </a:r>
+            <a:r>
+              <a:rPr lang="en-US" dirty="0" err="1" smtClean="0"/>
+              <a:t>Dalila</a:t>
+            </a:r>
+            <a:r>
+              <a:rPr lang="en-US" dirty="0" smtClean="0"/>
+              <a:t> </a:t>
+            </a:r>
+            <a:r>
+              <a:rPr lang="en-US" dirty="0" err="1" smtClean="0"/>
+              <a:t>Mekhaldi</a:t>
+            </a:r>
+            <a:r>
+              <a:rPr lang="en-US" dirty="0" smtClean="0"/>
+              <a:t> and Laura </a:t>
+            </a:r>
+            <a:r>
+              <a:rPr lang="en-US" dirty="0" err="1" smtClean="0"/>
+              <a:t>Hasler</a:t>
+            </a:r>
+            <a:r>
+              <a:rPr lang="en-US" dirty="0" smtClean="0"/>
+              <a:t>, 2008</a:t>
+            </a:r>
           </a:p>
         </p:txBody>
       </p:sp>
@@ -14775,6 +14459,500 @@
 </file>
 
 <file path=ppt/slides/slide24.xml><?xml version="1.0" encoding="utf-8"?>
+<p:sld xmlns:a="http://schemas.openxmlformats.org/drawingml/2006/main" xmlns:r="http://schemas.openxmlformats.org/officeDocument/2006/relationships" xmlns:p="http://schemas.openxmlformats.org/presentationml/2006/main">
+  <p:cSld>
+    <p:spTree>
+      <p:nvGrpSpPr>
+        <p:cNvPr id="1" name=""/>
+        <p:cNvGrpSpPr/>
+        <p:nvPr/>
+      </p:nvGrpSpPr>
+      <p:grpSpPr>
+        <a:xfrm>
+          <a:off x="0" y="0"/>
+          <a:ext cx="0" cy="0"/>
+          <a:chOff x="0" y="0"/>
+          <a:chExt cx="0" cy="0"/>
+        </a:xfrm>
+      </p:grpSpPr>
+      <p:sp>
+        <p:nvSpPr>
+          <p:cNvPr id="2" name="Title 1"/>
+          <p:cNvSpPr>
+            <a:spLocks noGrp="1"/>
+          </p:cNvSpPr>
+          <p:nvPr>
+            <p:ph type="title"/>
+          </p:nvPr>
+        </p:nvSpPr>
+        <p:spPr/>
+        <p:txBody>
+          <a:bodyPr/>
+          <a:lstStyle/>
+          <a:p>
+            <a:r>
+              <a:rPr lang="en-US" dirty="0" err="1" smtClean="0"/>
+              <a:t>Tham</a:t>
+            </a:r>
+            <a:r>
+              <a:rPr lang="en-US" dirty="0" smtClean="0"/>
+              <a:t> </a:t>
+            </a:r>
+            <a:r>
+              <a:rPr lang="en-US" smtClean="0"/>
+              <a:t>khảo</a:t>
+            </a:r>
+            <a:endParaRPr lang="en-US"/>
+          </a:p>
+        </p:txBody>
+      </p:sp>
+      <p:sp>
+        <p:nvSpPr>
+          <p:cNvPr id="3" name="Content Placeholder 2"/>
+          <p:cNvSpPr>
+            <a:spLocks noGrp="1"/>
+          </p:cNvSpPr>
+          <p:nvPr>
+            <p:ph idx="1"/>
+          </p:nvPr>
+        </p:nvSpPr>
+        <p:spPr/>
+        <p:txBody>
+          <a:bodyPr/>
+          <a:lstStyle/>
+          <a:p>
+            <a:r>
+              <a:rPr lang="en-US" dirty="0" smtClean="0"/>
+              <a:t>[4] “</a:t>
+            </a:r>
+            <a:r>
+              <a:rPr lang="en-US" dirty="0" err="1" smtClean="0"/>
+              <a:t>Xây</a:t>
+            </a:r>
+            <a:r>
+              <a:rPr lang="en-US" dirty="0" smtClean="0"/>
+              <a:t> </a:t>
+            </a:r>
+            <a:r>
+              <a:rPr lang="en-US" dirty="0" err="1" smtClean="0"/>
+              <a:t>dựng</a:t>
+            </a:r>
+            <a:r>
+              <a:rPr lang="en-US" dirty="0" smtClean="0"/>
+              <a:t> </a:t>
+            </a:r>
+            <a:r>
+              <a:rPr lang="en-US" dirty="0" err="1" smtClean="0"/>
+              <a:t>công</a:t>
+            </a:r>
+            <a:r>
+              <a:rPr lang="en-US" dirty="0" smtClean="0"/>
+              <a:t> </a:t>
+            </a:r>
+            <a:r>
+              <a:rPr lang="en-US" dirty="0" err="1" smtClean="0"/>
+              <a:t>cụ</a:t>
+            </a:r>
+            <a:r>
+              <a:rPr lang="en-US" dirty="0" smtClean="0"/>
+              <a:t> </a:t>
+            </a:r>
+            <a:r>
+              <a:rPr lang="en-US" dirty="0" err="1" smtClean="0"/>
+              <a:t>tìm</a:t>
+            </a:r>
+            <a:r>
+              <a:rPr lang="en-US" dirty="0" smtClean="0"/>
+              <a:t> </a:t>
+            </a:r>
+            <a:r>
+              <a:rPr lang="en-US" dirty="0" err="1" smtClean="0"/>
+              <a:t>kiếm</a:t>
+            </a:r>
+            <a:r>
+              <a:rPr lang="en-US" dirty="0" smtClean="0"/>
+              <a:t> </a:t>
+            </a:r>
+            <a:r>
+              <a:rPr lang="en-US" dirty="0" err="1" smtClean="0"/>
+              <a:t>tài</a:t>
+            </a:r>
+            <a:r>
+              <a:rPr lang="en-US" dirty="0" smtClean="0"/>
+              <a:t> </a:t>
+            </a:r>
+            <a:r>
+              <a:rPr lang="en-US" dirty="0" err="1" smtClean="0"/>
+              <a:t>liệu</a:t>
+            </a:r>
+            <a:r>
+              <a:rPr lang="en-US" dirty="0" smtClean="0"/>
+              <a:t> </a:t>
+            </a:r>
+            <a:r>
+              <a:rPr lang="en-US" dirty="0" err="1" smtClean="0"/>
+              <a:t>học</a:t>
+            </a:r>
+            <a:r>
+              <a:rPr lang="en-US" dirty="0" smtClean="0"/>
+              <a:t> </a:t>
+            </a:r>
+            <a:r>
+              <a:rPr lang="en-US" dirty="0" err="1" smtClean="0"/>
+              <a:t>tập</a:t>
+            </a:r>
+            <a:r>
+              <a:rPr lang="en-US" dirty="0" smtClean="0"/>
+              <a:t> </a:t>
+            </a:r>
+            <a:r>
+              <a:rPr lang="en-US" dirty="0" err="1" smtClean="0"/>
+              <a:t>bằng</a:t>
+            </a:r>
+            <a:r>
+              <a:rPr lang="en-US" dirty="0" smtClean="0"/>
+              <a:t> </a:t>
+            </a:r>
+            <a:r>
+              <a:rPr lang="en-US" dirty="0" err="1" smtClean="0"/>
+              <a:t>các</a:t>
+            </a:r>
+            <a:r>
+              <a:rPr lang="en-US" dirty="0" smtClean="0"/>
+              <a:t> </a:t>
+            </a:r>
+            <a:r>
+              <a:rPr lang="en-US" dirty="0" err="1" smtClean="0"/>
+              <a:t>truy</a:t>
+            </a:r>
+            <a:r>
+              <a:rPr lang="en-US" dirty="0" smtClean="0"/>
+              <a:t> </a:t>
+            </a:r>
+            <a:r>
+              <a:rPr lang="en-US" dirty="0" err="1" smtClean="0"/>
+              <a:t>vấn</a:t>
+            </a:r>
+            <a:r>
+              <a:rPr lang="en-US" dirty="0" smtClean="0"/>
+              <a:t> </a:t>
+            </a:r>
+            <a:r>
+              <a:rPr lang="en-US" dirty="0" err="1" smtClean="0"/>
+              <a:t>ngôn</a:t>
+            </a:r>
+            <a:r>
+              <a:rPr lang="en-US" dirty="0" smtClean="0"/>
+              <a:t> </a:t>
+            </a:r>
+            <a:r>
+              <a:rPr lang="en-US" dirty="0" err="1" smtClean="0"/>
+              <a:t>ngữ</a:t>
+            </a:r>
+            <a:r>
+              <a:rPr lang="en-US" dirty="0" smtClean="0"/>
+              <a:t> </a:t>
+            </a:r>
+            <a:r>
+              <a:rPr lang="en-US" dirty="0" err="1" smtClean="0"/>
+              <a:t>tự</a:t>
+            </a:r>
+            <a:r>
+              <a:rPr lang="en-US" dirty="0" smtClean="0"/>
+              <a:t> </a:t>
+            </a:r>
+            <a:r>
+              <a:rPr lang="en-US" dirty="0" err="1" smtClean="0"/>
+              <a:t>nhiên</a:t>
+            </a:r>
+            <a:r>
+              <a:rPr lang="en-US" dirty="0" smtClean="0"/>
+              <a:t>  </a:t>
+            </a:r>
+            <a:r>
+              <a:rPr lang="en-US" dirty="0" err="1" smtClean="0"/>
+              <a:t>trên</a:t>
+            </a:r>
+            <a:r>
+              <a:rPr lang="en-US" dirty="0" smtClean="0"/>
+              <a:t> </a:t>
+            </a:r>
+            <a:r>
+              <a:rPr lang="en-US" dirty="0" err="1" smtClean="0"/>
+              <a:t>kho</a:t>
+            </a:r>
+            <a:r>
+              <a:rPr lang="en-US" dirty="0" smtClean="0"/>
+              <a:t> </a:t>
+            </a:r>
+            <a:r>
+              <a:rPr lang="en-US" dirty="0" err="1" smtClean="0"/>
+              <a:t>học</a:t>
+            </a:r>
+            <a:r>
+              <a:rPr lang="en-US" dirty="0" smtClean="0"/>
+              <a:t> </a:t>
+            </a:r>
+            <a:r>
+              <a:rPr lang="en-US" dirty="0" err="1" smtClean="0"/>
+              <a:t>liệu</a:t>
+            </a:r>
+            <a:r>
+              <a:rPr lang="en-US" dirty="0" smtClean="0"/>
+              <a:t> </a:t>
+            </a:r>
+            <a:r>
+              <a:rPr lang="en-US" dirty="0" err="1" smtClean="0"/>
+              <a:t>mở</a:t>
+            </a:r>
+            <a:r>
+              <a:rPr lang="en-US" dirty="0" smtClean="0"/>
+              <a:t> </a:t>
+            </a:r>
+            <a:r>
+              <a:rPr lang="en-US" dirty="0" err="1" smtClean="0"/>
+              <a:t>tiếng</a:t>
+            </a:r>
+            <a:r>
+              <a:rPr lang="en-US" dirty="0" smtClean="0"/>
+              <a:t> </a:t>
+            </a:r>
+            <a:r>
+              <a:rPr lang="en-US" dirty="0" err="1" smtClean="0"/>
+              <a:t>Việt</a:t>
+            </a:r>
+            <a:r>
+              <a:rPr lang="en-US" dirty="0" smtClean="0"/>
+              <a:t>”, </a:t>
+            </a:r>
+            <a:r>
+              <a:rPr lang="en-US" dirty="0" err="1" smtClean="0"/>
+              <a:t>Lương</a:t>
+            </a:r>
+            <a:r>
+              <a:rPr lang="en-US" dirty="0" smtClean="0"/>
+              <a:t> </a:t>
+            </a:r>
+            <a:r>
+              <a:rPr lang="en-US" dirty="0" err="1" smtClean="0"/>
+              <a:t>Quý</a:t>
+            </a:r>
+            <a:r>
+              <a:rPr lang="en-US" dirty="0" smtClean="0"/>
+              <a:t> </a:t>
+            </a:r>
+            <a:r>
+              <a:rPr lang="en-US" dirty="0" err="1" smtClean="0"/>
+              <a:t>Tịnh</a:t>
+            </a:r>
+            <a:r>
+              <a:rPr lang="en-US" dirty="0" smtClean="0"/>
+              <a:t> </a:t>
+            </a:r>
+            <a:r>
+              <a:rPr lang="en-US" dirty="0" err="1" smtClean="0"/>
+              <a:t>Hà</a:t>
+            </a:r>
+            <a:r>
+              <a:rPr lang="en-US" dirty="0" smtClean="0"/>
+              <a:t>, 2009.</a:t>
+            </a:r>
+          </a:p>
+          <a:p>
+            <a:r>
+              <a:rPr lang="en-US" dirty="0" smtClean="0"/>
+              <a:t>[5] “ </a:t>
+            </a:r>
+            <a:r>
+              <a:rPr lang="en-US" dirty="0" err="1" smtClean="0"/>
+              <a:t>Dịch</a:t>
+            </a:r>
+            <a:r>
+              <a:rPr lang="en-US" dirty="0" smtClean="0"/>
+              <a:t> </a:t>
+            </a:r>
+            <a:r>
+              <a:rPr lang="en-US" dirty="0" err="1" smtClean="0"/>
+              <a:t>câu</a:t>
+            </a:r>
+            <a:r>
+              <a:rPr lang="en-US" dirty="0" smtClean="0"/>
+              <a:t> </a:t>
+            </a:r>
+            <a:r>
+              <a:rPr lang="en-US" dirty="0" err="1" smtClean="0"/>
+              <a:t>truy</a:t>
+            </a:r>
+            <a:r>
+              <a:rPr lang="en-US" dirty="0" smtClean="0"/>
+              <a:t> </a:t>
+            </a:r>
+            <a:r>
+              <a:rPr lang="en-US" dirty="0" err="1" smtClean="0"/>
+              <a:t>vấn</a:t>
+            </a:r>
+            <a:r>
+              <a:rPr lang="en-US" dirty="0" smtClean="0"/>
+              <a:t> </a:t>
+            </a:r>
+            <a:r>
+              <a:rPr lang="en-US" dirty="0" err="1" smtClean="0"/>
+              <a:t>có</a:t>
+            </a:r>
+            <a:r>
+              <a:rPr lang="en-US" dirty="0" smtClean="0"/>
+              <a:t> </a:t>
+            </a:r>
+            <a:r>
+              <a:rPr lang="en-US" dirty="0" err="1" smtClean="0"/>
+              <a:t>cấu</a:t>
+            </a:r>
+            <a:r>
+              <a:rPr lang="en-US" dirty="0" smtClean="0"/>
+              <a:t> </a:t>
+            </a:r>
+            <a:r>
+              <a:rPr lang="en-US" dirty="0" err="1" smtClean="0"/>
+              <a:t>trúc</a:t>
+            </a:r>
+            <a:r>
+              <a:rPr lang="en-US" dirty="0" smtClean="0"/>
+              <a:t> sang </a:t>
+            </a:r>
+            <a:r>
+              <a:rPr lang="en-US" dirty="0" err="1" smtClean="0"/>
+              <a:t>đồ</a:t>
+            </a:r>
+            <a:r>
+              <a:rPr lang="en-US" dirty="0" smtClean="0"/>
+              <a:t> </a:t>
+            </a:r>
+            <a:r>
+              <a:rPr lang="en-US" dirty="0" err="1" smtClean="0"/>
+              <a:t>thị</a:t>
+            </a:r>
+            <a:r>
+              <a:rPr lang="en-US" dirty="0" smtClean="0"/>
+              <a:t> ý </a:t>
+            </a:r>
+            <a:r>
+              <a:rPr lang="en-US" dirty="0" err="1" smtClean="0"/>
+              <a:t>niệm</a:t>
+            </a:r>
+            <a:r>
+              <a:rPr lang="en-US" dirty="0" smtClean="0"/>
+              <a:t>: </a:t>
+            </a:r>
+            <a:r>
+              <a:rPr lang="en-US" dirty="0" err="1" smtClean="0"/>
+              <a:t>cách</a:t>
+            </a:r>
+            <a:r>
+              <a:rPr lang="en-US" dirty="0" smtClean="0"/>
+              <a:t> </a:t>
+            </a:r>
+            <a:r>
+              <a:rPr lang="en-US" dirty="0" err="1" smtClean="0"/>
+              <a:t>tiếp</a:t>
+            </a:r>
+            <a:r>
+              <a:rPr lang="en-US" dirty="0" smtClean="0"/>
+              <a:t> </a:t>
+            </a:r>
+            <a:r>
+              <a:rPr lang="en-US" dirty="0" err="1" smtClean="0"/>
+              <a:t>cận</a:t>
+            </a:r>
+            <a:r>
+              <a:rPr lang="en-US" dirty="0" smtClean="0"/>
+              <a:t> </a:t>
+            </a:r>
+            <a:r>
+              <a:rPr lang="en-US" dirty="0" err="1" smtClean="0"/>
+              <a:t>ít</a:t>
+            </a:r>
+            <a:r>
+              <a:rPr lang="en-US" dirty="0" smtClean="0"/>
+              <a:t> </a:t>
+            </a:r>
+            <a:r>
+              <a:rPr lang="en-US" dirty="0" err="1" smtClean="0"/>
+              <a:t>phụ</a:t>
+            </a:r>
+            <a:r>
+              <a:rPr lang="en-US" dirty="0" smtClean="0"/>
+              <a:t> </a:t>
+            </a:r>
+            <a:r>
+              <a:rPr lang="en-US" dirty="0" err="1" smtClean="0"/>
+              <a:t>thuộc</a:t>
+            </a:r>
+            <a:r>
+              <a:rPr lang="en-US" dirty="0" smtClean="0"/>
+              <a:t> </a:t>
+            </a:r>
+            <a:r>
+              <a:rPr lang="en-US" dirty="0" err="1" smtClean="0"/>
+              <a:t>vào</a:t>
+            </a:r>
+            <a:r>
+              <a:rPr lang="en-US" dirty="0" smtClean="0"/>
+              <a:t> </a:t>
+            </a:r>
+            <a:r>
+              <a:rPr lang="en-US" dirty="0" err="1" smtClean="0"/>
+              <a:t>cú</a:t>
+            </a:r>
+            <a:r>
+              <a:rPr lang="en-US" dirty="0" smtClean="0"/>
+              <a:t> </a:t>
+            </a:r>
+            <a:r>
+              <a:rPr lang="en-US" dirty="0" err="1" smtClean="0"/>
+              <a:t>pháp</a:t>
+            </a:r>
+            <a:r>
+              <a:rPr lang="en-US" dirty="0" smtClean="0"/>
+              <a:t>” Cao </a:t>
+            </a:r>
+            <a:r>
+              <a:rPr lang="en-US" dirty="0" err="1" smtClean="0"/>
+              <a:t>Duy</a:t>
+            </a:r>
+            <a:r>
+              <a:rPr lang="en-US" dirty="0" smtClean="0"/>
+              <a:t> </a:t>
+            </a:r>
+            <a:r>
+              <a:rPr lang="en-US" dirty="0" err="1" smtClean="0"/>
+              <a:t>Trường</a:t>
+            </a:r>
+            <a:r>
+              <a:rPr lang="en-US" dirty="0" smtClean="0"/>
+              <a:t>, 2008 </a:t>
+            </a:r>
+          </a:p>
+          <a:p>
+            <a:endParaRPr lang="en-US" dirty="0"/>
+          </a:p>
+        </p:txBody>
+      </p:sp>
+    </p:spTree>
+  </p:cSld>
+  <p:clrMapOvr>
+    <a:masterClrMapping/>
+  </p:clrMapOvr>
+  <p:timing>
+    <p:tnLst>
+      <p:par>
+        <p:cTn id="1" dur="indefinite" restart="never" nodeType="tmRoot"/>
+      </p:par>
+    </p:tnLst>
+  </p:timing>
+</p:sld>
+</file>
+
+<file path=ppt/slides/slide25.xml><?xml version="1.0" encoding="utf-8"?>
 <p:sld xmlns:a="http://schemas.openxmlformats.org/drawingml/2006/main" xmlns:r="http://schemas.openxmlformats.org/officeDocument/2006/relationships" xmlns:p="http://schemas.openxmlformats.org/presentationml/2006/main">
   <p:cSld>
     <p:spTree>
@@ -16152,11 +16330,31 @@
             <a:pPr lvl="1"/>
             <a:r>
               <a:rPr lang="en-US" dirty="0" smtClean="0"/>
-              <a:t>Who is the author of the paper “A Comparative Evaluation of Voting and Meta-learning on Partitioned Data”?</a:t>
+              <a:t>Who is the author of the paper “A Comparative Evaluation of Voting and Meta-learning on Partitioned Data</a:t>
+            </a:r>
+            <a:r>
+              <a:rPr lang="en-US" dirty="0" smtClean="0"/>
+              <a:t>”?</a:t>
             </a:r>
             <a:endParaRPr lang="en-US" sz="2000" dirty="0" smtClean="0"/>
           </a:p>
           <a:p>
+            <a:pPr lvl="1"/>
+            <a:r>
+              <a:rPr lang="en-US" dirty="0" smtClean="0"/>
+              <a:t>What paper published in 2009 ?</a:t>
+            </a:r>
+          </a:p>
+          <a:p>
+            <a:pPr lvl="1"/>
+            <a:r>
+              <a:rPr lang="en-US" dirty="0" smtClean="0"/>
+              <a:t>… </a:t>
+            </a:r>
+            <a:endParaRPr lang="en-US" dirty="0" smtClean="0"/>
+          </a:p>
+          <a:p>
+            <a:pPr lvl="1"/>
             <a:endParaRPr lang="en-US" dirty="0"/>
           </a:p>
         </p:txBody>

--- a/De Cuong/De Cuong v0.2.pptx
+++ b/De Cuong/De Cuong v0.2.pptx
@@ -7704,11 +7704,7 @@
             </a:r>
             <a:r>
               <a:rPr lang="en-US" dirty="0" smtClean="0"/>
-              <a:t>: </a:t>
-            </a:r>
-            <a:r>
-              <a:rPr lang="en-US" dirty="0" smtClean="0"/>
-              <a:t>GATE (ANNIE </a:t>
+              <a:t>: GATE (ANNIE </a:t>
             </a:r>
             <a:r>
               <a:rPr lang="en-US" dirty="0" err="1" smtClean="0"/>
@@ -10082,44 +10078,20 @@
               <a:t>thống</a:t>
             </a:r>
             <a:r>
-              <a:rPr lang="en-US" dirty="0" smtClean="0"/>
-              <a:t> </a:t>
-            </a:r>
-            <a:r>
-              <a:rPr lang="en-US" dirty="0" err="1" smtClean="0"/>
-              <a:t>hỏi</a:t>
-            </a:r>
-            <a:r>
-              <a:rPr lang="en-US" dirty="0" smtClean="0"/>
-              <a:t> </a:t>
-            </a:r>
-            <a:r>
-              <a:rPr lang="en-US" dirty="0" err="1" smtClean="0"/>
-              <a:t>đáp</a:t>
-            </a:r>
-            <a:r>
-              <a:rPr lang="en-US" dirty="0" smtClean="0"/>
-              <a:t> do </a:t>
-            </a:r>
-            <a:r>
-              <a:rPr lang="en-US" dirty="0" err="1" smtClean="0"/>
-              <a:t>nhóm</a:t>
-            </a:r>
-            <a:r>
-              <a:rPr lang="en-US" dirty="0" smtClean="0"/>
-              <a:t> </a:t>
-            </a:r>
-            <a:r>
-              <a:rPr lang="en-US" dirty="0" err="1" smtClean="0"/>
-              <a:t>đưa</a:t>
-            </a:r>
-            <a:r>
-              <a:rPr lang="en-US" dirty="0" smtClean="0"/>
-              <a:t> </a:t>
-            </a:r>
-            <a:r>
-              <a:rPr lang="en-US" dirty="0" err="1" smtClean="0"/>
-              <a:t>ra</a:t>
+              <a:rPr lang="en-US" smtClean="0"/>
+              <a:t> </a:t>
+            </a:r>
+            <a:r>
+              <a:rPr lang="en-US" smtClean="0"/>
+              <a:t>đề</a:t>
+            </a:r>
+            <a:r>
+              <a:rPr lang="en-US" dirty="0" smtClean="0"/>
+              <a:t> </a:t>
+            </a:r>
+            <a:r>
+              <a:rPr lang="en-US" dirty="0" err="1" smtClean="0"/>
+              <a:t>xuất</a:t>
             </a:r>
             <a:endParaRPr lang="en-US" dirty="0"/>
           </a:p>
@@ -16330,11 +16302,7 @@
             <a:pPr lvl="1"/>
             <a:r>
               <a:rPr lang="en-US" dirty="0" smtClean="0"/>
-              <a:t>Who is the author of the paper “A Comparative Evaluation of Voting and Meta-learning on Partitioned Data</a:t>
-            </a:r>
-            <a:r>
-              <a:rPr lang="en-US" dirty="0" smtClean="0"/>
-              <a:t>”?</a:t>
+              <a:t>Who is the author of the paper “A Comparative Evaluation of Voting and Meta-learning on Partitioned Data”?</a:t>
             </a:r>
             <a:endParaRPr lang="en-US" sz="2000" dirty="0" smtClean="0"/>
           </a:p>
@@ -16351,7 +16319,6 @@
               <a:rPr lang="en-US" dirty="0" smtClean="0"/>
               <a:t>… </a:t>
             </a:r>
-            <a:endParaRPr lang="en-US" dirty="0" smtClean="0"/>
           </a:p>
           <a:p>
             <a:pPr lvl="1"/>
